--- a/Posteri.pptx
+++ b/Posteri.pptx
@@ -212,7 +212,7 @@
             <a:fld id="{19EC9BF0-2C59-2C46-BBD9-7948B59DC01B}" type="datetime1">
               <a:rPr lang="fi-FI" smtClean="0"/>
               <a:pPr/>
-              <a:t>12.12.2022</a:t>
+              <a:t>14.12.2022</a:t>
             </a:fld>
             <a:endParaRPr lang="fi-FI"/>
           </a:p>
@@ -380,7 +380,7 @@
             <a:fld id="{0E4AA8A8-4D46-BD40-89BF-70B4CBE4D6DF}" type="datetime1">
               <a:rPr lang="fi-FI" smtClean="0"/>
               <a:pPr/>
-              <a:t>12.12.2022</a:t>
+              <a:t>14.12.2022</a:t>
             </a:fld>
             <a:endParaRPr lang="fi-FI"/>
           </a:p>
@@ -1888,7 +1888,7 @@
           <a:p>
             <a:r>
               <a:rPr lang="fi-FI" dirty="0"/>
-              <a:t>Arttu Leinonen, TVT21SPL</a:t>
+              <a:t>Juho Laurila, TVT21SPL</a:t>
             </a:r>
           </a:p>
           <a:p>
@@ -1940,6 +1940,46 @@
             </a:r>
           </a:p>
           <a:p>
+            <a:pPr marL="285750" indent="-285750">
+              <a:buFontTx/>
+              <a:buChar char="-"/>
+            </a:pPr>
+            <a:r>
+              <a:rPr lang="fi-FI" dirty="0"/>
+              <a:t>Saada arduino lähettämään kiihtyvyysanturi dataa mysql tietokantaan</a:t>
+            </a:r>
+          </a:p>
+          <a:p>
+            <a:pPr marL="285750" indent="-285750">
+              <a:buFontTx/>
+              <a:buChar char="-"/>
+            </a:pPr>
+            <a:r>
+              <a:rPr lang="fi-FI" dirty="0"/>
+              <a:t>Käyttää dataa python K-means algorimtissa</a:t>
+            </a:r>
+          </a:p>
+          <a:p>
+            <a:pPr marL="285750" indent="-285750">
+              <a:buFontTx/>
+              <a:buChar char="-"/>
+            </a:pPr>
+            <a:r>
+              <a:rPr lang="fi-FI" dirty="0"/>
+              <a:t>Käyttää K-meansillä opetettuja keskipisteitä uudestaan arduinossa</a:t>
+            </a:r>
+          </a:p>
+          <a:p>
+            <a:pPr marL="285750" indent="-285750">
+              <a:buFontTx/>
+              <a:buChar char="-"/>
+            </a:pPr>
+            <a:r>
+              <a:rPr lang="fi-FI" dirty="0"/>
+              <a:t>Visualisoida tarkkuus confusion matrixilla</a:t>
+            </a:r>
+          </a:p>
+          <a:p>
             <a:endParaRPr lang="fi-FI" dirty="0"/>
           </a:p>
           <a:p>
@@ -1949,15 +1989,10 @@
             </a:r>
           </a:p>
           <a:p>
-            <a:endParaRPr lang="fi-FI" dirty="0"/>
-          </a:p>
-          <a:p>
-            <a:endParaRPr lang="fi-FI" sz="1200" i="1" dirty="0"/>
-          </a:p>
-          <a:p>
-            <a:endParaRPr lang="fi-FI" sz="1200" i="1" dirty="0"/>
-          </a:p>
-          <a:p>
+            <a:r>
+              <a:rPr lang="fi-FI" dirty="0"/>
+              <a:t>Projektissa käytetään arduinoa xyz kiihtyvysdatan mittaamiseen ja lähettämiisen opettajan vastaanottavaan laitteeseen 433MHz radiolähettimellä. Laite laittaa datan MySQL tietokantaan, josta se sitten haetaan omalla tietokoneella pythonilla ja käsitellään se K-means algoritmilla. Tarkkuus tarkistetaan tämän jälkeen arduinolla ja pythonissa confusion matrixilla (Kuva 1.).</a:t>
+            </a:r>
             <a:endParaRPr lang="fi-FI" sz="1200" i="1" dirty="0"/>
           </a:p>
           <a:p>
@@ -2023,17 +2058,260 @@
             </a:r>
           </a:p>
           <a:p>
+            <a:r>
+              <a:rPr lang="fi-FI" dirty="0">
+                <a:solidFill>
+                  <a:srgbClr val="000000"/>
+                </a:solidFill>
+                <a:effectLst/>
+                <a:latin typeface="+mn-lt"/>
+                <a:ea typeface="Times New Roman" panose="02020603050405020304" pitchFamily="18" charset="0"/>
+                <a:cs typeface="Times New Roman" panose="02020603050405020304" pitchFamily="18" charset="0"/>
+              </a:rPr>
+              <a:t>Arduinon komponentit (Kuva 2.):</a:t>
+            </a:r>
+          </a:p>
+          <a:p>
+            <a:pPr marL="285750" indent="-285750">
+              <a:buFontTx/>
+              <a:buChar char="-"/>
+            </a:pPr>
+            <a:r>
+              <a:rPr lang="fi-FI" dirty="0">
+                <a:solidFill>
+                  <a:srgbClr val="000000"/>
+                </a:solidFill>
+                <a:latin typeface="+mn-lt"/>
+                <a:ea typeface="Times New Roman" panose="02020603050405020304" pitchFamily="18" charset="0"/>
+                <a:cs typeface="Times New Roman" panose="02020603050405020304" pitchFamily="18" charset="0"/>
+              </a:rPr>
+              <a:t>GY-61 kiihtyvyysanturi</a:t>
+            </a:r>
+          </a:p>
+          <a:p>
+            <a:pPr marL="285750" indent="-285750">
+              <a:buFontTx/>
+              <a:buChar char="-"/>
+            </a:pPr>
+            <a:r>
+              <a:rPr lang="fi-FI" dirty="0">
+                <a:solidFill>
+                  <a:srgbClr val="000000"/>
+                </a:solidFill>
+                <a:latin typeface="+mn-lt"/>
+                <a:ea typeface="Times New Roman" panose="02020603050405020304" pitchFamily="18" charset="0"/>
+                <a:cs typeface="Times New Roman" panose="02020603050405020304" pitchFamily="18" charset="0"/>
+              </a:rPr>
+              <a:t>Arduino</a:t>
+            </a:r>
+          </a:p>
+          <a:p>
+            <a:pPr marL="285750" indent="-285750">
+              <a:buFontTx/>
+              <a:buChar char="-"/>
+            </a:pPr>
+            <a:r>
+              <a:rPr lang="fi-FI" dirty="0">
+                <a:solidFill>
+                  <a:srgbClr val="000000"/>
+                </a:solidFill>
+                <a:latin typeface="+mn-lt"/>
+                <a:ea typeface="Times New Roman" panose="02020603050405020304" pitchFamily="18" charset="0"/>
+                <a:cs typeface="Times New Roman" panose="02020603050405020304" pitchFamily="18" charset="0"/>
+              </a:rPr>
+              <a:t>RWS-371</a:t>
+            </a:r>
+          </a:p>
+          <a:p>
+            <a:pPr marL="285750" indent="-285750">
+              <a:buFontTx/>
+              <a:buChar char="-"/>
+            </a:pPr>
+            <a:r>
+              <a:rPr lang="fi-FI" dirty="0">
+                <a:solidFill>
+                  <a:srgbClr val="000000"/>
+                </a:solidFill>
+                <a:latin typeface="+mn-lt"/>
+                <a:ea typeface="Times New Roman" panose="02020603050405020304" pitchFamily="18" charset="0"/>
+                <a:cs typeface="Times New Roman" panose="02020603050405020304" pitchFamily="18" charset="0"/>
+              </a:rPr>
+              <a:t>TWS-BS</a:t>
+            </a:r>
+          </a:p>
+          <a:p>
+            <a:endParaRPr lang="fi-FI" dirty="0">
+              <a:cs typeface="Times New Roman" panose="02020603050405020304" pitchFamily="18" charset="0"/>
+            </a:endParaRPr>
+          </a:p>
+          <a:p>
+            <a:endParaRPr lang="fi-FI" dirty="0">
+              <a:cs typeface="Times New Roman" panose="02020603050405020304" pitchFamily="18" charset="0"/>
+            </a:endParaRPr>
+          </a:p>
+          <a:p>
+            <a:endParaRPr lang="fi-FI" dirty="0">
+              <a:cs typeface="Times New Roman" panose="02020603050405020304" pitchFamily="18" charset="0"/>
+            </a:endParaRPr>
+          </a:p>
+          <a:p>
+            <a:endParaRPr lang="fi-FI" dirty="0">
+              <a:cs typeface="Times New Roman" panose="02020603050405020304" pitchFamily="18" charset="0"/>
+            </a:endParaRPr>
+          </a:p>
+          <a:p>
+            <a:endParaRPr lang="fi-FI" dirty="0">
+              <a:cs typeface="Times New Roman" panose="02020603050405020304" pitchFamily="18" charset="0"/>
+            </a:endParaRPr>
+          </a:p>
+          <a:p>
+            <a:endParaRPr lang="fi-FI" dirty="0">
+              <a:cs typeface="Times New Roman" panose="02020603050405020304" pitchFamily="18" charset="0"/>
+            </a:endParaRPr>
+          </a:p>
+          <a:p>
+            <a:endParaRPr lang="fi-FI" sz="1200" i="1" dirty="0"/>
+          </a:p>
+          <a:p>
+            <a:endParaRPr lang="fi-FI" sz="1200" i="1" dirty="0"/>
+          </a:p>
+          <a:p>
+            <a:endParaRPr lang="fi-FI" sz="1200" i="1" dirty="0"/>
+          </a:p>
+          <a:p>
+            <a:r>
+              <a:rPr lang="fi-FI" sz="1200" i="1" dirty="0"/>
+              <a:t>Kuva 2. </a:t>
+            </a:r>
+            <a:endParaRPr lang="fi-FI" dirty="0">
+              <a:cs typeface="Times New Roman" panose="02020603050405020304" pitchFamily="18" charset="0"/>
+            </a:endParaRPr>
+          </a:p>
+          <a:p>
             <a:endParaRPr lang="fi-FI" dirty="0">
               <a:solidFill>
                 <a:srgbClr val="000000"/>
               </a:solidFill>
-              <a:effectLst/>
               <a:latin typeface="+mn-lt"/>
-              <a:ea typeface="Times New Roman" panose="02020603050405020304" pitchFamily="18" charset="0"/>
-              <a:cs typeface="Times New Roman" panose="02020603050405020304" pitchFamily="18" charset="0"/>
+              <a:cs typeface="Times New Roman"/>
             </a:endParaRPr>
           </a:p>
           <a:p>
+            <a:r>
+              <a:rPr lang="fi-FI" dirty="0">
+                <a:solidFill>
+                  <a:srgbClr val="000000"/>
+                </a:solidFill>
+                <a:latin typeface="+mn-lt"/>
+                <a:ea typeface="Times New Roman" panose="02020603050405020304" pitchFamily="18" charset="0"/>
+                <a:cs typeface="Times New Roman" panose="02020603050405020304" pitchFamily="18" charset="0"/>
+              </a:rPr>
+              <a:t>Käytin arduinon omaa IDE:tä arduinon koodiin ja visual studio codea python koodin tekemiseen.</a:t>
+            </a:r>
+          </a:p>
+          <a:p>
+            <a:r>
+              <a:rPr lang="fi-FI" dirty="0">
+                <a:solidFill>
+                  <a:srgbClr val="000000"/>
+                </a:solidFill>
+                <a:latin typeface="+mn-lt"/>
+                <a:ea typeface="Times New Roman" panose="02020603050405020304" pitchFamily="18" charset="0"/>
+                <a:cs typeface="Times New Roman" panose="02020603050405020304" pitchFamily="18" charset="0"/>
+              </a:rPr>
+              <a:t>Python koodissa käytin seuraavia kirjastoja:</a:t>
+            </a:r>
+          </a:p>
+          <a:p>
+            <a:pPr marL="285750" indent="-285750">
+              <a:buFontTx/>
+              <a:buChar char="-"/>
+            </a:pPr>
+            <a:r>
+              <a:rPr lang="fi-FI" dirty="0">
+                <a:solidFill>
+                  <a:srgbClr val="000000"/>
+                </a:solidFill>
+                <a:latin typeface="+mn-lt"/>
+                <a:ea typeface="Times New Roman" panose="02020603050405020304" pitchFamily="18" charset="0"/>
+                <a:cs typeface="Times New Roman" panose="02020603050405020304" pitchFamily="18" charset="0"/>
+              </a:rPr>
+              <a:t>Numpy</a:t>
+            </a:r>
+          </a:p>
+          <a:p>
+            <a:pPr marL="285750" indent="-285750">
+              <a:buFontTx/>
+              <a:buChar char="-"/>
+            </a:pPr>
+            <a:r>
+              <a:rPr lang="fi-FI" dirty="0">
+                <a:solidFill>
+                  <a:srgbClr val="000000"/>
+                </a:solidFill>
+                <a:latin typeface="+mn-lt"/>
+                <a:ea typeface="Times New Roman" panose="02020603050405020304" pitchFamily="18" charset="0"/>
+                <a:cs typeface="Times New Roman" panose="02020603050405020304" pitchFamily="18" charset="0"/>
+              </a:rPr>
+              <a:t>Matplotlib</a:t>
+            </a:r>
+          </a:p>
+          <a:p>
+            <a:pPr marL="285750" indent="-285750">
+              <a:buFontTx/>
+              <a:buChar char="-"/>
+            </a:pPr>
+            <a:r>
+              <a:rPr lang="fi-FI" dirty="0">
+                <a:solidFill>
+                  <a:srgbClr val="000000"/>
+                </a:solidFill>
+                <a:latin typeface="+mn-lt"/>
+                <a:ea typeface="Times New Roman" panose="02020603050405020304" pitchFamily="18" charset="0"/>
+                <a:cs typeface="Times New Roman" panose="02020603050405020304" pitchFamily="18" charset="0"/>
+              </a:rPr>
+              <a:t>Sklearn</a:t>
+            </a:r>
+          </a:p>
+          <a:p>
+            <a:pPr marL="285750" indent="-285750">
+              <a:buFontTx/>
+              <a:buChar char="-"/>
+            </a:pPr>
+            <a:r>
+              <a:rPr lang="fi-FI" dirty="0">
+                <a:solidFill>
+                  <a:srgbClr val="000000"/>
+                </a:solidFill>
+                <a:latin typeface="+mn-lt"/>
+                <a:ea typeface="Times New Roman" panose="02020603050405020304" pitchFamily="18" charset="0"/>
+                <a:cs typeface="Times New Roman" panose="02020603050405020304" pitchFamily="18" charset="0"/>
+              </a:rPr>
+              <a:t>Pandas</a:t>
+            </a:r>
+          </a:p>
+          <a:p>
+            <a:pPr marL="285750" indent="-285750">
+              <a:buFontTx/>
+              <a:buChar char="-"/>
+            </a:pPr>
+            <a:r>
+              <a:rPr lang="fi-FI" dirty="0">
+                <a:solidFill>
+                  <a:srgbClr val="000000"/>
+                </a:solidFill>
+                <a:latin typeface="+mn-lt"/>
+                <a:ea typeface="Times New Roman" panose="02020603050405020304" pitchFamily="18" charset="0"/>
+                <a:cs typeface="Times New Roman" panose="02020603050405020304" pitchFamily="18" charset="0"/>
+              </a:rPr>
+              <a:t>Requests</a:t>
+            </a:r>
+          </a:p>
+          <a:p>
+            <a:pPr marL="285750" indent="-285750">
+              <a:buFontTx/>
+              <a:buChar char="-"/>
+            </a:pPr>
             <a:endParaRPr lang="fi-FI" dirty="0">
               <a:solidFill>
                 <a:srgbClr val="000000"/>
@@ -2041,82 +2319,6 @@
               <a:latin typeface="+mn-lt"/>
               <a:ea typeface="Times New Roman" panose="02020603050405020304" pitchFamily="18" charset="0"/>
               <a:cs typeface="Times New Roman" panose="02020603050405020304" pitchFamily="18" charset="0"/>
-            </a:endParaRPr>
-          </a:p>
-          <a:p>
-            <a:endParaRPr lang="fi-FI" dirty="0">
-              <a:solidFill>
-                <a:srgbClr val="000000"/>
-              </a:solidFill>
-              <a:effectLst/>
-              <a:latin typeface="+mn-lt"/>
-              <a:ea typeface="Times New Roman" panose="02020603050405020304" pitchFamily="18" charset="0"/>
-              <a:cs typeface="Times New Roman" panose="02020603050405020304" pitchFamily="18" charset="0"/>
-            </a:endParaRPr>
-          </a:p>
-          <a:p>
-            <a:endParaRPr lang="fi-FI" dirty="0">
-              <a:solidFill>
-                <a:srgbClr val="000000"/>
-              </a:solidFill>
-              <a:latin typeface="+mn-lt"/>
-              <a:ea typeface="Times New Roman" panose="02020603050405020304" pitchFamily="18" charset="0"/>
-              <a:cs typeface="Times New Roman" panose="02020603050405020304" pitchFamily="18" charset="0"/>
-            </a:endParaRPr>
-          </a:p>
-          <a:p>
-            <a:endParaRPr lang="fi-FI" dirty="0">
-              <a:solidFill>
-                <a:srgbClr val="000000"/>
-              </a:solidFill>
-              <a:effectLst/>
-              <a:latin typeface="+mn-lt"/>
-              <a:ea typeface="Times New Roman" panose="02020603050405020304" pitchFamily="18" charset="0"/>
-              <a:cs typeface="Times New Roman" panose="02020603050405020304" pitchFamily="18" charset="0"/>
-            </a:endParaRPr>
-          </a:p>
-          <a:p>
-            <a:endParaRPr lang="fi-FI" dirty="0">
-              <a:solidFill>
-                <a:srgbClr val="000000"/>
-              </a:solidFill>
-              <a:latin typeface="+mn-lt"/>
-              <a:ea typeface="Times New Roman" panose="02020603050405020304" pitchFamily="18" charset="0"/>
-              <a:cs typeface="Times New Roman" panose="02020603050405020304" pitchFamily="18" charset="0"/>
-            </a:endParaRPr>
-          </a:p>
-          <a:p>
-            <a:endParaRPr lang="fi-FI" dirty="0">
-              <a:solidFill>
-                <a:srgbClr val="000000"/>
-              </a:solidFill>
-              <a:effectLst/>
-              <a:latin typeface="+mn-lt"/>
-              <a:ea typeface="Times New Roman" panose="02020603050405020304" pitchFamily="18" charset="0"/>
-              <a:cs typeface="Times New Roman" panose="02020603050405020304" pitchFamily="18" charset="0"/>
-            </a:endParaRPr>
-          </a:p>
-          <a:p>
-            <a:endParaRPr lang="fi-FI" dirty="0">
-              <a:cs typeface="Times New Roman" panose="02020603050405020304" pitchFamily="18" charset="0"/>
-            </a:endParaRPr>
-          </a:p>
-          <a:p>
-            <a:r>
-              <a:rPr lang="fi-FI" sz="1200" i="1" dirty="0"/>
-              <a:t>Kuva 2. </a:t>
-            </a:r>
-            <a:endParaRPr lang="fi-FI" dirty="0">
-              <a:cs typeface="Times New Roman" panose="02020603050405020304" pitchFamily="18" charset="0"/>
-            </a:endParaRPr>
-          </a:p>
-          <a:p>
-            <a:endParaRPr lang="fi-FI" dirty="0">
-              <a:solidFill>
-                <a:srgbClr val="000000"/>
-              </a:solidFill>
-              <a:latin typeface="+mn-lt"/>
-              <a:cs typeface="Times New Roman"/>
             </a:endParaRPr>
           </a:p>
           <a:p>
@@ -2218,6 +2420,36 @@
             <a:endParaRPr lang="fi-FI" dirty="0"/>
           </a:p>
           <a:p>
+            <a:endParaRPr lang="fi-FI" dirty="0"/>
+          </a:p>
+          <a:p>
+            <a:endParaRPr lang="fi-FI" dirty="0"/>
+          </a:p>
+          <a:p>
+            <a:endParaRPr lang="fi-FI" dirty="0"/>
+          </a:p>
+          <a:p>
+            <a:endParaRPr lang="fi-FI" dirty="0"/>
+          </a:p>
+          <a:p>
+            <a:endParaRPr lang="fi-FI" dirty="0"/>
+          </a:p>
+          <a:p>
+            <a:endParaRPr lang="fi-FI" dirty="0"/>
+          </a:p>
+          <a:p>
+            <a:endParaRPr lang="fi-FI" dirty="0"/>
+          </a:p>
+          <a:p>
+            <a:endParaRPr lang="fi-FI" dirty="0"/>
+          </a:p>
+          <a:p>
+            <a:endParaRPr lang="fi-FI" dirty="0"/>
+          </a:p>
+          <a:p>
+            <a:endParaRPr lang="fi-FI" dirty="0"/>
+          </a:p>
+          <a:p>
             <a:r>
               <a:rPr lang="fi-FI" sz="1200" i="1" dirty="0"/>
               <a:t>Kuva 3. </a:t>
@@ -2248,6 +2480,96 @@
           </a:p>
         </p:txBody>
       </p:sp>
+      <p:pic>
+        <p:nvPicPr>
+          <p:cNvPr id="3" name="Picture 2" descr="A screenshot of a computer&#10;&#10;Description automatically generated with low confidence">
+            <a:extLst>
+              <a:ext uri="{FF2B5EF4-FFF2-40B4-BE49-F238E27FC236}">
+                <a16:creationId xmlns:a16="http://schemas.microsoft.com/office/drawing/2014/main" id="{238F98F6-EC42-6D86-6537-30264C3EE86C}"/>
+              </a:ext>
+            </a:extLst>
+          </p:cNvPr>
+          <p:cNvPicPr>
+            <a:picLocks noChangeAspect="1"/>
+          </p:cNvPicPr>
+          <p:nvPr/>
+        </p:nvPicPr>
+        <p:blipFill>
+          <a:blip r:embed="rId2"/>
+          <a:stretch>
+            <a:fillRect/>
+          </a:stretch>
+        </p:blipFill>
+        <p:spPr>
+          <a:xfrm>
+            <a:off x="588964" y="8853661"/>
+            <a:ext cx="1925636" cy="2095858"/>
+          </a:xfrm>
+          <a:prstGeom prst="rect">
+            <a:avLst/>
+          </a:prstGeom>
+        </p:spPr>
+      </p:pic>
+      <p:pic>
+        <p:nvPicPr>
+          <p:cNvPr id="7" name="Picture 6">
+            <a:extLst>
+              <a:ext uri="{FF2B5EF4-FFF2-40B4-BE49-F238E27FC236}">
+                <a16:creationId xmlns:a16="http://schemas.microsoft.com/office/drawing/2014/main" id="{1BFFE3D2-F244-17EF-F62C-5E08FC860068}"/>
+              </a:ext>
+            </a:extLst>
+          </p:cNvPr>
+          <p:cNvPicPr>
+            <a:picLocks noChangeAspect="1"/>
+          </p:cNvPicPr>
+          <p:nvPr/>
+        </p:nvPicPr>
+        <p:blipFill>
+          <a:blip r:embed="rId3"/>
+          <a:stretch>
+            <a:fillRect/>
+          </a:stretch>
+        </p:blipFill>
+        <p:spPr>
+          <a:xfrm>
+            <a:off x="3510476" y="4784337"/>
+            <a:ext cx="2813821" cy="2110366"/>
+          </a:xfrm>
+          <a:prstGeom prst="rect">
+            <a:avLst/>
+          </a:prstGeom>
+        </p:spPr>
+      </p:pic>
+      <p:pic>
+        <p:nvPicPr>
+          <p:cNvPr id="11" name="Picture 10" descr="Chart, scatter chart&#10;&#10;Description automatically generated">
+            <a:extLst>
+              <a:ext uri="{FF2B5EF4-FFF2-40B4-BE49-F238E27FC236}">
+                <a16:creationId xmlns:a16="http://schemas.microsoft.com/office/drawing/2014/main" id="{A39A8C64-C835-2F07-BCF0-E757EA2341E5}"/>
+              </a:ext>
+            </a:extLst>
+          </p:cNvPr>
+          <p:cNvPicPr>
+            <a:picLocks noChangeAspect="1"/>
+          </p:cNvPicPr>
+          <p:nvPr/>
+        </p:nvPicPr>
+        <p:blipFill>
+          <a:blip r:embed="rId4"/>
+          <a:stretch>
+            <a:fillRect/>
+          </a:stretch>
+        </p:blipFill>
+        <p:spPr>
+          <a:xfrm>
+            <a:off x="6453966" y="5727277"/>
+            <a:ext cx="2617669" cy="1963252"/>
+          </a:xfrm>
+          <a:prstGeom prst="rect">
+            <a:avLst/>
+          </a:prstGeom>
+        </p:spPr>
+      </p:pic>
     </p:spTree>
   </p:cSld>
   <p:clrMapOvr>
@@ -3242,6 +3564,12 @@
 </file>
 
 <file path=customXml/item1.xml><?xml version="1.0" encoding="utf-8"?>
+<p:properties xmlns:p="http://schemas.microsoft.com/office/2006/metadata/properties" xmlns:xsi="http://www.w3.org/2001/XMLSchema-instance" xmlns:pc="http://schemas.microsoft.com/office/infopath/2007/PartnerControls">
+  <documentManagement/>
+</p:properties>
+</file>
+
+<file path=customXml/item2.xml><?xml version="1.0" encoding="utf-8"?>
 <ct:contentTypeSchema xmlns:ct="http://schemas.microsoft.com/office/2006/metadata/contentType" xmlns:ma="http://schemas.microsoft.com/office/2006/metadata/properties/metaAttributes" ct:_="" ma:_="" ma:contentTypeName="Asiakirja" ma:contentTypeID="0x0101006ECC83F8D6BFE4428804C4C3A1B4B79C" ma:contentTypeVersion="7" ma:contentTypeDescription="Luo uusi asiakirja." ma:contentTypeScope="" ma:versionID="b76a67232dfb2b15eaa9eefb7045e5bd">
   <xsd:schema xmlns:xsd="http://www.w3.org/2001/XMLSchema" xmlns:xs="http://www.w3.org/2001/XMLSchema" xmlns:p="http://schemas.microsoft.com/office/2006/metadata/properties" xmlns:ns2="7b94f722-3b90-4565-8fc9-e75b6fdf0e0d" targetNamespace="http://schemas.microsoft.com/office/2006/metadata/properties" ma:root="true" ma:fieldsID="93801ead537858431aa28780eeae86f5" ns2:_="">
     <xsd:import namespace="7b94f722-3b90-4565-8fc9-e75b6fdf0e0d"/>
@@ -3405,12 +3733,6 @@
 </ct:contentTypeSchema>
 </file>
 
-<file path=customXml/item2.xml><?xml version="1.0" encoding="utf-8"?>
-<p:properties xmlns:p="http://schemas.microsoft.com/office/2006/metadata/properties" xmlns:xsi="http://www.w3.org/2001/XMLSchema-instance" xmlns:pc="http://schemas.microsoft.com/office/infopath/2007/PartnerControls">
-  <documentManagement/>
-</p:properties>
-</file>
-
 <file path=customXml/item3.xml><?xml version="1.0" encoding="utf-8"?>
 <?mso-contentType ?>
 <FormTemplates xmlns="http://schemas.microsoft.com/sharepoint/v3/contenttype/forms">
@@ -3421,6 +3743,22 @@
 </file>
 
 <file path=customXml/itemProps1.xml><?xml version="1.0" encoding="utf-8"?>
+<ds:datastoreItem xmlns:ds="http://schemas.openxmlformats.org/officeDocument/2006/customXml" ds:itemID="{878822F4-0F3C-48DC-95CA-A274E297992E}">
+  <ds:schemaRefs>
+    <ds:schemaRef ds:uri="7b94f722-3b90-4565-8fc9-e75b6fdf0e0d"/>
+    <ds:schemaRef ds:uri="http://purl.org/dc/dcmitype/"/>
+    <ds:schemaRef ds:uri="http://purl.org/dc/elements/1.1/"/>
+    <ds:schemaRef ds:uri="http://purl.org/dc/terms/"/>
+    <ds:schemaRef ds:uri="http://schemas.microsoft.com/office/2006/documentManagement/types"/>
+    <ds:schemaRef ds:uri="http://schemas.microsoft.com/office/2006/metadata/properties"/>
+    <ds:schemaRef ds:uri="http://schemas.microsoft.com/office/infopath/2007/PartnerControls"/>
+    <ds:schemaRef ds:uri="http://schemas.openxmlformats.org/package/2006/metadata/core-properties"/>
+    <ds:schemaRef ds:uri="http://www.w3.org/XML/1998/namespace"/>
+  </ds:schemaRefs>
+</ds:datastoreItem>
+</file>
+
+<file path=customXml/itemProps2.xml><?xml version="1.0" encoding="utf-8"?>
 <ds:datastoreItem xmlns:ds="http://schemas.openxmlformats.org/officeDocument/2006/customXml" ds:itemID="{A6CD72DD-10C6-437E-BB10-A53E2F94238B}">
   <ds:schemaRefs>
     <ds:schemaRef ds:uri="7b94f722-3b90-4565-8fc9-e75b6fdf0e0d"/>
@@ -3438,22 +3776,6 @@
 </ds:datastoreItem>
 </file>
 
-<file path=customXml/itemProps2.xml><?xml version="1.0" encoding="utf-8"?>
-<ds:datastoreItem xmlns:ds="http://schemas.openxmlformats.org/officeDocument/2006/customXml" ds:itemID="{878822F4-0F3C-48DC-95CA-A274E297992E}">
-  <ds:schemaRefs>
-    <ds:schemaRef ds:uri="7b94f722-3b90-4565-8fc9-e75b6fdf0e0d"/>
-    <ds:schemaRef ds:uri="http://purl.org/dc/dcmitype/"/>
-    <ds:schemaRef ds:uri="http://purl.org/dc/elements/1.1/"/>
-    <ds:schemaRef ds:uri="http://purl.org/dc/terms/"/>
-    <ds:schemaRef ds:uri="http://schemas.microsoft.com/office/2006/documentManagement/types"/>
-    <ds:schemaRef ds:uri="http://schemas.microsoft.com/office/2006/metadata/properties"/>
-    <ds:schemaRef ds:uri="http://schemas.microsoft.com/office/infopath/2007/PartnerControls"/>
-    <ds:schemaRef ds:uri="http://schemas.openxmlformats.org/package/2006/metadata/core-properties"/>
-    <ds:schemaRef ds:uri="http://www.w3.org/XML/1998/namespace"/>
-  </ds:schemaRefs>
-</ds:datastoreItem>
-</file>
-
 <file path=customXml/itemProps3.xml><?xml version="1.0" encoding="utf-8"?>
 <ds:datastoreItem xmlns:ds="http://schemas.openxmlformats.org/officeDocument/2006/customXml" ds:itemID="{EDA22398-01F6-4848-8F41-560534D344A7}">
   <ds:schemaRefs>

--- a/Posteri.pptx
+++ b/Posteri.pptx
@@ -1991,7 +1991,7 @@
           <a:p>
             <a:r>
               <a:rPr lang="fi-FI" dirty="0"/>
-              <a:t>Projektissa käytetään arduinoa xyz kiihtyvysdatan mittaamiseen ja lähettämiisen opettajan vastaanottavaan laitteeseen 433MHz radiolähettimellä. Laite laittaa datan MySQL tietokantaan, josta se sitten haetaan omalla tietokoneella pythonilla ja käsitellään se K-means algoritmilla. Tarkkuus tarkistetaan tämän jälkeen arduinolla ja pythonissa confusion matrixilla (Kuva 1.).</a:t>
+              <a:t>Projektissa käytetään arduinoa xyz kiihtyvysdatan mittaamiseen ja lähettämiisen opettajan vastaanottavaan laitteeseen 433MHz radiolähettimellä. Laite laittaa datan MySQL tietokantaan, josta se sitten haetaan omalla tietokoneella pythonilla ja käsitellään se K-means algoritmilla (Kuva 1.). Tarkkuus tarkistetaan tämän jälkeen arduinolla ja pythonissa confusion matrixilla (Kuva 3.).</a:t>
             </a:r>
             <a:endParaRPr lang="fi-FI" sz="1200" i="1" dirty="0"/>
           </a:p>
@@ -2028,7 +2028,7 @@
           <a:p>
             <a:r>
               <a:rPr lang="fi-FI" sz="1200" i="1" dirty="0"/>
-              <a:t>Kuva 1.</a:t>
+              <a:t>Kuva 1. K-meansin tekemät keskipisteet</a:t>
             </a:r>
             <a:endParaRPr lang="fi-FI" dirty="0"/>
           </a:p>
@@ -2181,7 +2181,7 @@
           <a:p>
             <a:r>
               <a:rPr lang="fi-FI" sz="1200" i="1" dirty="0"/>
-              <a:t>Kuva 2. </a:t>
+              <a:t>Kuva 2. Arduinon komponentit</a:t>
             </a:r>
             <a:endParaRPr lang="fi-FI" dirty="0">
               <a:cs typeface="Times New Roman" panose="02020603050405020304" pitchFamily="18" charset="0"/>
@@ -2399,6 +2399,12 @@
             <a:endParaRPr lang="en-US" dirty="0"/>
           </a:p>
           <a:p>
+            <a:r>
+              <a:rPr lang="fi-FI" dirty="0"/>
+              <a:t>Lopputulokseksi sain Arduinon, joka pystyy lähettämään xyz kiihtyvyysanturi dataa mysql tietokantaan ja python ohjelman hakemaan sen tiedon requestsin avulla. K-meansin löytämään neljän clusterin keksipisteet (Kuva 1.). Sekä myös confusion matriisin tulokset tarkkudesta (Kuva 3.).</a:t>
+            </a:r>
+          </a:p>
+          <a:p>
             <a:endParaRPr lang="fi-FI" dirty="0"/>
           </a:p>
           <a:p>
@@ -2423,60 +2429,11 @@
             <a:endParaRPr lang="fi-FI" dirty="0"/>
           </a:p>
           <a:p>
-            <a:endParaRPr lang="fi-FI" dirty="0"/>
-          </a:p>
-          <a:p>
-            <a:endParaRPr lang="fi-FI" dirty="0"/>
-          </a:p>
-          <a:p>
-            <a:endParaRPr lang="fi-FI" dirty="0"/>
-          </a:p>
-          <a:p>
-            <a:endParaRPr lang="fi-FI" dirty="0"/>
-          </a:p>
-          <a:p>
-            <a:endParaRPr lang="fi-FI" dirty="0"/>
-          </a:p>
-          <a:p>
-            <a:endParaRPr lang="fi-FI" dirty="0"/>
-          </a:p>
-          <a:p>
-            <a:endParaRPr lang="fi-FI" dirty="0"/>
-          </a:p>
-          <a:p>
-            <a:endParaRPr lang="fi-FI" dirty="0"/>
-          </a:p>
-          <a:p>
-            <a:endParaRPr lang="fi-FI" dirty="0"/>
-          </a:p>
-          <a:p>
             <a:r>
               <a:rPr lang="fi-FI" sz="1200" i="1" dirty="0"/>
-              <a:t>Kuva 3. </a:t>
+              <a:t>Kuva 3. Confusion matriisin tulos printattuna</a:t>
             </a:r>
             <a:endParaRPr lang="fi-FI" sz="1200" dirty="0"/>
-          </a:p>
-          <a:p>
-            <a:endParaRPr lang="fi-FI" sz="1200" i="1" dirty="0"/>
-          </a:p>
-          <a:p>
-            <a:r>
-              <a:rPr lang="fi-FI" b="1" dirty="0"/>
-              <a:t>Arviointi</a:t>
-            </a:r>
-            <a:endParaRPr lang="fi-FI" dirty="0"/>
-          </a:p>
-          <a:p>
-            <a:endParaRPr lang="fi-FI" dirty="0"/>
-          </a:p>
-          <a:p>
-            <a:r>
-              <a:rPr lang="fi-FI" b="1" dirty="0"/>
-              <a:t>Lähteet</a:t>
-            </a:r>
-          </a:p>
-          <a:p>
-            <a:endParaRPr lang="fi-FI" dirty="0"/>
           </a:p>
         </p:txBody>
       </p:sp>
@@ -2502,7 +2459,7 @@
         </p:blipFill>
         <p:spPr>
           <a:xfrm>
-            <a:off x="588964" y="8853661"/>
+            <a:off x="6498400" y="5140790"/>
             <a:ext cx="1925636" cy="2095858"/>
           </a:xfrm>
           <a:prstGeom prst="rect">
@@ -2562,7 +2519,7 @@
         </p:blipFill>
         <p:spPr>
           <a:xfrm>
-            <a:off x="6453966" y="5727277"/>
+            <a:off x="496949" y="8986267"/>
             <a:ext cx="2617669" cy="1963252"/>
           </a:xfrm>
           <a:prstGeom prst="rect">
@@ -3564,9 +3521,12 @@
 </file>
 
 <file path=customXml/item1.xml><?xml version="1.0" encoding="utf-8"?>
-<p:properties xmlns:p="http://schemas.microsoft.com/office/2006/metadata/properties" xmlns:xsi="http://www.w3.org/2001/XMLSchema-instance" xmlns:pc="http://schemas.microsoft.com/office/infopath/2007/PartnerControls">
-  <documentManagement/>
-</p:properties>
+<?mso-contentType ?>
+<FormTemplates xmlns="http://schemas.microsoft.com/sharepoint/v3/contenttype/forms">
+  <Display>DocumentLibraryForm</Display>
+  <Edit>DocumentLibraryForm</Edit>
+  <New>DocumentLibraryForm</New>
+</FormTemplates>
 </file>
 
 <file path=customXml/item2.xml><?xml version="1.0" encoding="utf-8"?>
@@ -3734,26 +3694,15 @@
 </file>
 
 <file path=customXml/item3.xml><?xml version="1.0" encoding="utf-8"?>
-<?mso-contentType ?>
-<FormTemplates xmlns="http://schemas.microsoft.com/sharepoint/v3/contenttype/forms">
-  <Display>DocumentLibraryForm</Display>
-  <Edit>DocumentLibraryForm</Edit>
-  <New>DocumentLibraryForm</New>
-</FormTemplates>
+<p:properties xmlns:p="http://schemas.microsoft.com/office/2006/metadata/properties" xmlns:xsi="http://www.w3.org/2001/XMLSchema-instance" xmlns:pc="http://schemas.microsoft.com/office/infopath/2007/PartnerControls">
+  <documentManagement/>
+</p:properties>
 </file>
 
 <file path=customXml/itemProps1.xml><?xml version="1.0" encoding="utf-8"?>
-<ds:datastoreItem xmlns:ds="http://schemas.openxmlformats.org/officeDocument/2006/customXml" ds:itemID="{878822F4-0F3C-48DC-95CA-A274E297992E}">
+<ds:datastoreItem xmlns:ds="http://schemas.openxmlformats.org/officeDocument/2006/customXml" ds:itemID="{EDA22398-01F6-4848-8F41-560534D344A7}">
   <ds:schemaRefs>
-    <ds:schemaRef ds:uri="7b94f722-3b90-4565-8fc9-e75b6fdf0e0d"/>
-    <ds:schemaRef ds:uri="http://purl.org/dc/dcmitype/"/>
-    <ds:schemaRef ds:uri="http://purl.org/dc/elements/1.1/"/>
-    <ds:schemaRef ds:uri="http://purl.org/dc/terms/"/>
-    <ds:schemaRef ds:uri="http://schemas.microsoft.com/office/2006/documentManagement/types"/>
-    <ds:schemaRef ds:uri="http://schemas.microsoft.com/office/2006/metadata/properties"/>
-    <ds:schemaRef ds:uri="http://schemas.microsoft.com/office/infopath/2007/PartnerControls"/>
-    <ds:schemaRef ds:uri="http://schemas.openxmlformats.org/package/2006/metadata/core-properties"/>
-    <ds:schemaRef ds:uri="http://www.w3.org/XML/1998/namespace"/>
+    <ds:schemaRef ds:uri="http://schemas.microsoft.com/sharepoint/v3/contenttype/forms"/>
   </ds:schemaRefs>
 </ds:datastoreItem>
 </file>
@@ -3777,9 +3726,17 @@
 </file>
 
 <file path=customXml/itemProps3.xml><?xml version="1.0" encoding="utf-8"?>
-<ds:datastoreItem xmlns:ds="http://schemas.openxmlformats.org/officeDocument/2006/customXml" ds:itemID="{EDA22398-01F6-4848-8F41-560534D344A7}">
+<ds:datastoreItem xmlns:ds="http://schemas.openxmlformats.org/officeDocument/2006/customXml" ds:itemID="{878822F4-0F3C-48DC-95CA-A274E297992E}">
   <ds:schemaRefs>
-    <ds:schemaRef ds:uri="http://schemas.microsoft.com/sharepoint/v3/contenttype/forms"/>
+    <ds:schemaRef ds:uri="7b94f722-3b90-4565-8fc9-e75b6fdf0e0d"/>
+    <ds:schemaRef ds:uri="http://purl.org/dc/dcmitype/"/>
+    <ds:schemaRef ds:uri="http://purl.org/dc/elements/1.1/"/>
+    <ds:schemaRef ds:uri="http://purl.org/dc/terms/"/>
+    <ds:schemaRef ds:uri="http://schemas.microsoft.com/office/2006/documentManagement/types"/>
+    <ds:schemaRef ds:uri="http://schemas.microsoft.com/office/2006/metadata/properties"/>
+    <ds:schemaRef ds:uri="http://schemas.microsoft.com/office/infopath/2007/PartnerControls"/>
+    <ds:schemaRef ds:uri="http://schemas.openxmlformats.org/package/2006/metadata/core-properties"/>
+    <ds:schemaRef ds:uri="http://www.w3.org/XML/1998/namespace"/>
   </ds:schemaRefs>
 </ds:datastoreItem>
 </file>